--- a/DOC/img/1.pptx
+++ b/DOC/img/1.pptx
@@ -115,7 +115,7 @@
             <a:srgbClr val="A4A3A4"/>
           </p15:clr>
         </p15:guide>
-        <p15:guide id="2" pos="3851" userDrawn="1">
+        <p15:guide id="2" pos="3813" userDrawn="1">
           <p15:clr>
             <a:srgbClr val="A4A3A4"/>
           </p15:clr>
@@ -3084,28 +3084,24 @@
       </p:grpSpPr>
       <p:sp>
         <p:nvSpPr>
-          <p:cNvPr id="4" name="矩形 3"/>
+          <p:cNvPr id="21" name="圆角矩形 20"/>
           <p:cNvSpPr/>
           <p:nvPr/>
         </p:nvSpPr>
         <p:spPr>
           <a:xfrm>
-            <a:off x="1565275" y="2678430"/>
-            <a:ext cx="1931670" cy="833120"/>
-          </a:xfrm>
-          <a:prstGeom prst="rect">
+            <a:off x="483870" y="989330"/>
+            <a:ext cx="11322685" cy="5662295"/>
+          </a:xfrm>
+          <a:prstGeom prst="roundRect">
             <a:avLst/>
           </a:prstGeom>
           <a:solidFill>
-            <a:schemeClr val="bg1">
-              <a:lumMod val="65000"/>
+            <a:schemeClr val="accent4">
+              <a:lumMod val="40000"/>
+              <a:lumOff val="60000"/>
             </a:schemeClr>
           </a:solidFill>
-          <a:ln>
-            <a:solidFill>
-              <a:schemeClr val="tx1"/>
-            </a:solidFill>
-          </a:ln>
         </p:spPr>
         <p:style>
           <a:lnRef idx="2">
@@ -3127,46 +3123,30 @@
           <a:bodyPr rtlCol="0" anchor="ctr"/>
           <a:p>
             <a:pPr algn="ctr"/>
-            <a:r>
-              <a:rPr lang="zh-CN" altLang="en-US">
-                <a:solidFill>
-                  <a:schemeClr val="tx1"/>
-                </a:solidFill>
-              </a:rPr>
-              <a:t>主线程</a:t>
-            </a:r>
-            <a:endParaRPr lang="zh-CN" altLang="en-US">
-              <a:solidFill>
-                <a:schemeClr val="tx1"/>
-              </a:solidFill>
-            </a:endParaRPr>
-          </a:p>
-        </p:txBody>
-      </p:sp>
-      <p:sp>
-        <p:nvSpPr>
-          <p:cNvPr id="5" name="矩形 4"/>
+            <a:endParaRPr lang="zh-CN" altLang="en-US"/>
+          </a:p>
+        </p:txBody>
+      </p:sp>
+      <p:sp>
+        <p:nvSpPr>
+          <p:cNvPr id="2" name="矩形 1"/>
           <p:cNvSpPr/>
           <p:nvPr/>
         </p:nvSpPr>
         <p:spPr>
           <a:xfrm>
-            <a:off x="7007860" y="1600835"/>
-            <a:ext cx="1067435" cy="558800"/>
+            <a:off x="6483350" y="1379855"/>
+            <a:ext cx="4653280" cy="4521200"/>
           </a:xfrm>
           <a:prstGeom prst="rect">
             <a:avLst/>
           </a:prstGeom>
           <a:solidFill>
-            <a:schemeClr val="bg1">
-              <a:lumMod val="65000"/>
+            <a:schemeClr val="accent1">
+              <a:lumMod val="40000"/>
+              <a:lumOff val="60000"/>
             </a:schemeClr>
           </a:solidFill>
-          <a:ln>
-            <a:solidFill>
-              <a:schemeClr val="tx1"/>
-            </a:solidFill>
-          </a:ln>
         </p:spPr>
         <p:style>
           <a:lnRef idx="2">
@@ -3188,6 +3168,116 @@
           <a:bodyPr rtlCol="0" anchor="ctr"/>
           <a:p>
             <a:pPr algn="ctr"/>
+            <a:endParaRPr lang="zh-CN" altLang="en-US"/>
+          </a:p>
+        </p:txBody>
+      </p:sp>
+      <p:sp>
+        <p:nvSpPr>
+          <p:cNvPr id="4" name="矩形 3"/>
+          <p:cNvSpPr/>
+          <p:nvPr/>
+        </p:nvSpPr>
+        <p:spPr>
+          <a:xfrm>
+            <a:off x="1225550" y="2678430"/>
+            <a:ext cx="1931670" cy="833120"/>
+          </a:xfrm>
+          <a:prstGeom prst="rect">
+            <a:avLst/>
+          </a:prstGeom>
+          <a:solidFill>
+            <a:schemeClr val="bg1">
+              <a:lumMod val="65000"/>
+            </a:schemeClr>
+          </a:solidFill>
+          <a:ln>
+            <a:solidFill>
+              <a:schemeClr val="tx1"/>
+            </a:solidFill>
+          </a:ln>
+        </p:spPr>
+        <p:style>
+          <a:lnRef idx="2">
+            <a:schemeClr val="accent1">
+              <a:lumMod val="75000"/>
+            </a:schemeClr>
+          </a:lnRef>
+          <a:fillRef idx="1">
+            <a:schemeClr val="accent1"/>
+          </a:fillRef>
+          <a:effectRef idx="0">
+            <a:srgbClr val="FFFFFF"/>
+          </a:effectRef>
+          <a:fontRef idx="minor">
+            <a:schemeClr val="lt1"/>
+          </a:fontRef>
+        </p:style>
+        <p:txBody>
+          <a:bodyPr rtlCol="0" anchor="ctr"/>
+          <a:p>
+            <a:pPr algn="ctr"/>
+            <a:r>
+              <a:rPr lang="zh-CN" altLang="en-US">
+                <a:solidFill>
+                  <a:schemeClr val="tx1"/>
+                </a:solidFill>
+              </a:rPr>
+              <a:t>主线程</a:t>
+            </a:r>
+            <a:endParaRPr lang="zh-CN" altLang="en-US">
+              <a:solidFill>
+                <a:schemeClr val="tx1"/>
+              </a:solidFill>
+            </a:endParaRPr>
+          </a:p>
+        </p:txBody>
+      </p:sp>
+      <p:sp>
+        <p:nvSpPr>
+          <p:cNvPr id="5" name="矩形 4"/>
+          <p:cNvSpPr/>
+          <p:nvPr/>
+        </p:nvSpPr>
+        <p:spPr>
+          <a:xfrm>
+            <a:off x="6668135" y="1600835"/>
+            <a:ext cx="1067435" cy="558800"/>
+          </a:xfrm>
+          <a:prstGeom prst="rect">
+            <a:avLst/>
+          </a:prstGeom>
+          <a:solidFill>
+            <a:schemeClr val="bg1">
+              <a:lumMod val="65000"/>
+            </a:schemeClr>
+          </a:solidFill>
+          <a:ln>
+            <a:solidFill>
+              <a:schemeClr val="tx1"/>
+            </a:solidFill>
+          </a:ln>
+        </p:spPr>
+        <p:style>
+          <a:lnRef idx="2">
+            <a:schemeClr val="accent1">
+              <a:lumMod val="75000"/>
+            </a:schemeClr>
+          </a:lnRef>
+          <a:fillRef idx="1">
+            <a:schemeClr val="accent1"/>
+          </a:fillRef>
+          <a:effectRef idx="0">
+            <a:srgbClr val="FFFFFF"/>
+          </a:effectRef>
+          <a:fontRef idx="minor">
+            <a:schemeClr val="lt1"/>
+          </a:fontRef>
+        </p:style>
+        <p:txBody>
+          <a:bodyPr rtlCol="0" anchor="ctr"/>
+          <a:p>
+            <a:pPr algn="ctr"/>
             <a:r>
               <a:rPr lang="zh-CN" altLang="en-US" sz="1400">
                 <a:solidFill>
@@ -3223,7 +3313,7 @@
           </p:nvPr>
         </p:nvGraphicFramePr>
         <p:xfrm>
-          <a:off x="5520055" y="1728470"/>
+          <a:off x="5180330" y="1728470"/>
           <a:ext cx="935355" cy="3429000"/>
         </p:xfrm>
         <a:graphic>
@@ -3427,7 +3517,7 @@
         </p:nvSpPr>
         <p:spPr>
           <a:xfrm>
-            <a:off x="5297170" y="5240655"/>
+            <a:off x="4957445" y="5240655"/>
             <a:ext cx="1633855" cy="306705"/>
           </a:xfrm>
           <a:prstGeom prst="rect">
@@ -3454,16 +3544,16 @@
       </p:sp>
       <p:sp>
         <p:nvSpPr>
-          <p:cNvPr id="9" name="矩形 8"/>
+          <p:cNvPr id="9" name="圆角矩形 8"/>
           <p:cNvSpPr/>
           <p:nvPr/>
         </p:nvSpPr>
         <p:spPr>
           <a:xfrm>
-            <a:off x="5022215" y="241935"/>
-            <a:ext cx="1289685" cy="501650"/>
-          </a:xfrm>
-          <a:prstGeom prst="rect">
+            <a:off x="4684395" y="165735"/>
+            <a:ext cx="3009900" cy="577850"/>
+          </a:xfrm>
+          <a:prstGeom prst="roundRect">
             <a:avLst/>
           </a:prstGeom>
           <a:solidFill>
@@ -3498,14 +3588,14 @@
           <a:p>
             <a:pPr algn="ctr"/>
             <a:r>
-              <a:rPr lang="zh-CN" altLang="en-US">
+              <a:rPr lang="zh-CN" altLang="en-US" b="1">
                 <a:solidFill>
                   <a:schemeClr val="tx1"/>
                 </a:solidFill>
               </a:rPr>
-              <a:t>用户</a:t>
-            </a:r>
-            <a:endParaRPr lang="zh-CN" altLang="en-US">
+              <a:t>浏览器用户</a:t>
+            </a:r>
+            <a:endParaRPr lang="zh-CN" altLang="en-US" b="1">
               <a:solidFill>
                 <a:schemeClr val="tx1"/>
               </a:solidFill>
@@ -3521,7 +3611,7 @@
         </p:nvCxnSpPr>
         <p:spPr>
           <a:xfrm flipH="1">
-            <a:off x="2223770" y="285115"/>
+            <a:off x="1884045" y="285115"/>
             <a:ext cx="2800985" cy="2390775"/>
           </a:xfrm>
           <a:prstGeom prst="straightConnector1">
@@ -3554,8 +3644,8 @@
         </p:nvSpPr>
         <p:spPr>
           <a:xfrm>
-            <a:off x="3315970" y="1169670"/>
-            <a:ext cx="1375410" cy="337185"/>
+            <a:off x="3039110" y="1176020"/>
+            <a:ext cx="692150" cy="275590"/>
           </a:xfrm>
           <a:prstGeom prst="rect">
             <a:avLst/>
@@ -3568,14 +3658,14 @@
           </a:bodyPr>
           <a:p>
             <a:r>
-              <a:rPr lang="en-US" altLang="zh-CN" sz="1600"/>
+              <a:rPr lang="en-US" altLang="zh-CN" sz="1200"/>
               <a:t>1.</a:t>
             </a:r>
             <a:r>
-              <a:rPr lang="zh-CN" altLang="en-US" sz="1600"/>
+              <a:rPr lang="zh-CN" altLang="en-US" sz="1200"/>
               <a:t>连接</a:t>
             </a:r>
-            <a:endParaRPr lang="zh-CN" altLang="en-US" sz="1600"/>
+            <a:endParaRPr lang="zh-CN" altLang="en-US" sz="1200"/>
           </a:p>
         </p:txBody>
       </p:sp>
@@ -3589,7 +3679,7 @@
         </p:nvCxnSpPr>
         <p:spPr>
           <a:xfrm flipV="1">
-            <a:off x="3496945" y="3075305"/>
+            <a:off x="3157220" y="3075305"/>
             <a:ext cx="2039620" cy="19685"/>
           </a:xfrm>
           <a:prstGeom prst="straightConnector1">
@@ -3622,8 +3712,8 @@
         </p:nvSpPr>
         <p:spPr>
           <a:xfrm>
-            <a:off x="3719195" y="2707005"/>
-            <a:ext cx="1577975" cy="337185"/>
+            <a:off x="3496310" y="2854325"/>
+            <a:ext cx="1577975" cy="275590"/>
           </a:xfrm>
           <a:prstGeom prst="rect">
             <a:avLst/>
@@ -3636,14 +3726,14 @@
           </a:bodyPr>
           <a:p>
             <a:r>
-              <a:rPr lang="en-US" altLang="zh-CN" sz="1600"/>
+              <a:rPr lang="en-US" altLang="zh-CN" sz="1200"/>
               <a:t>2.</a:t>
             </a:r>
             <a:r>
-              <a:rPr lang="zh-CN" altLang="en-US" sz="1600"/>
+              <a:rPr lang="zh-CN" altLang="en-US" sz="1200"/>
               <a:t>标记读就绪</a:t>
             </a:r>
-            <a:endParaRPr lang="zh-CN" altLang="en-US" sz="1600"/>
+            <a:endParaRPr lang="zh-CN" altLang="en-US" sz="1200"/>
           </a:p>
         </p:txBody>
       </p:sp>
@@ -3655,7 +3745,7 @@
         </p:nvSpPr>
         <p:spPr>
           <a:xfrm>
-            <a:off x="3940175" y="1655445"/>
+            <a:off x="3600450" y="1655445"/>
             <a:ext cx="1153795" cy="508000"/>
           </a:xfrm>
           <a:prstGeom prst="rect">
@@ -3716,7 +3806,7 @@
         </p:nvCxnSpPr>
         <p:spPr>
           <a:xfrm flipH="1">
-            <a:off x="4291330" y="753745"/>
+            <a:off x="3951605" y="753745"/>
             <a:ext cx="923290" cy="908050"/>
           </a:xfrm>
           <a:prstGeom prst="straightConnector1">
@@ -3749,7 +3839,7 @@
         </p:nvCxnSpPr>
         <p:spPr>
           <a:xfrm flipH="1">
-            <a:off x="3133725" y="2032000"/>
+            <a:off x="2794000" y="2032000"/>
             <a:ext cx="806450" cy="631825"/>
           </a:xfrm>
           <a:prstGeom prst="straightConnector1">
@@ -3782,8 +3872,8 @@
         </p:nvSpPr>
         <p:spPr>
           <a:xfrm>
-            <a:off x="4074160" y="984885"/>
-            <a:ext cx="1596390" cy="521970"/>
+            <a:off x="3734435" y="984885"/>
+            <a:ext cx="1596390" cy="460375"/>
           </a:xfrm>
           <a:prstGeom prst="rect">
             <a:avLst/>
@@ -3796,21 +3886,21 @@
           </a:bodyPr>
           <a:p>
             <a:r>
-              <a:rPr lang="en-US" altLang="zh-CN" sz="1400"/>
+              <a:rPr lang="en-US" altLang="zh-CN" sz="1200"/>
               <a:t>3. </a:t>
             </a:r>
             <a:r>
-              <a:rPr lang="zh-CN" altLang="en-US" sz="1400"/>
+              <a:rPr lang="zh-CN" altLang="en-US" sz="1200"/>
               <a:t>等待数据可读</a:t>
             </a:r>
-            <a:endParaRPr lang="zh-CN" altLang="en-US" sz="1400"/>
-          </a:p>
-          <a:p>
-            <a:r>
-              <a:rPr lang="en-US" altLang="zh-CN" sz="1400"/>
+            <a:endParaRPr lang="zh-CN" altLang="en-US" sz="1200"/>
+          </a:p>
+          <a:p>
+            <a:r>
+              <a:rPr lang="en-US" altLang="zh-CN" sz="1200"/>
               <a:t>4. 读取数据</a:t>
             </a:r>
-            <a:endParaRPr lang="en-US" altLang="zh-CN" sz="1400"/>
+            <a:endParaRPr lang="en-US" altLang="zh-CN" sz="1200"/>
           </a:p>
         </p:txBody>
       </p:sp>
@@ -3822,7 +3912,7 @@
         </p:nvSpPr>
         <p:spPr>
           <a:xfrm>
-            <a:off x="8253095" y="1600835"/>
+            <a:off x="7735570" y="1600835"/>
             <a:ext cx="1074420" cy="558800"/>
           </a:xfrm>
           <a:prstGeom prst="rect">
@@ -3891,7 +3981,7 @@
         </p:nvSpPr>
         <p:spPr>
           <a:xfrm>
-            <a:off x="9505315" y="1600835"/>
+            <a:off x="8797925" y="1600835"/>
             <a:ext cx="1067435" cy="558800"/>
           </a:xfrm>
           <a:prstGeom prst="rect">
@@ -3960,7 +4050,7 @@
         </p:nvSpPr>
         <p:spPr>
           <a:xfrm>
-            <a:off x="8478520" y="5067935"/>
+            <a:off x="8138795" y="5067935"/>
             <a:ext cx="2856230" cy="368300"/>
           </a:xfrm>
           <a:prstGeom prst="rect">
@@ -3996,7 +4086,7 @@
         </p:nvCxnSpPr>
         <p:spPr>
           <a:xfrm>
-            <a:off x="2531110" y="3511550"/>
+            <a:off x="2191385" y="3511550"/>
             <a:ext cx="2988945" cy="2497455"/>
           </a:xfrm>
           <a:prstGeom prst="straightConnector1">
@@ -4032,7 +4122,7 @@
           </p:nvPr>
         </p:nvGraphicFramePr>
         <p:xfrm>
-          <a:off x="8478520" y="3004820"/>
+          <a:off x="8138795" y="3004820"/>
           <a:ext cx="1122680" cy="2025650"/>
         </p:xfrm>
         <a:graphic>
@@ -4228,8 +4318,8 @@
         </p:nvSpPr>
         <p:spPr>
           <a:xfrm>
-            <a:off x="3545205" y="4933950"/>
-            <a:ext cx="1706245" cy="306705"/>
+            <a:off x="3205480" y="4933950"/>
+            <a:ext cx="1706245" cy="275590"/>
           </a:xfrm>
           <a:prstGeom prst="rect">
             <a:avLst/>
@@ -4242,18 +4332,18 @@
           </a:bodyPr>
           <a:p>
             <a:r>
-              <a:rPr lang="en-US" altLang="zh-CN" sz="1400"/>
+              <a:rPr lang="en-US" altLang="zh-CN" sz="1200"/>
               <a:t>5.</a:t>
             </a:r>
             <a:r>
-              <a:rPr lang="zh-CN" altLang="en-US" sz="1400"/>
+              <a:rPr lang="zh-CN" altLang="en-US" sz="1200"/>
               <a:t>插入请求队列</a:t>
             </a:r>
             <a:r>
-              <a:rPr lang="zh-CN" altLang="en-US" sz="1400"/>
+              <a:rPr lang="zh-CN" altLang="en-US" sz="1200"/>
               <a:t>尾</a:t>
             </a:r>
-            <a:endParaRPr lang="zh-CN" altLang="en-US" sz="1400"/>
+            <a:endParaRPr lang="zh-CN" altLang="en-US" sz="1200"/>
           </a:p>
         </p:txBody>
       </p:sp>
@@ -4265,7 +4355,7 @@
         </p:nvSpPr>
         <p:spPr>
           <a:xfrm>
-            <a:off x="5520055" y="5779770"/>
+            <a:off x="5180330" y="5779770"/>
             <a:ext cx="1067435" cy="457835"/>
           </a:xfrm>
           <a:prstGeom prst="rect">
@@ -4337,7 +4427,7 @@
         </p:nvCxnSpPr>
         <p:spPr>
           <a:xfrm flipV="1">
-            <a:off x="6587490" y="4762500"/>
+            <a:off x="6247765" y="4762500"/>
             <a:ext cx="2306955" cy="1246505"/>
           </a:xfrm>
           <a:prstGeom prst="straightConnector1">
@@ -4372,7 +4462,7 @@
         </p:nvCxnSpPr>
         <p:spPr>
           <a:xfrm>
-            <a:off x="7541895" y="2159635"/>
+            <a:off x="7202170" y="2159635"/>
             <a:ext cx="1115060" cy="901065"/>
           </a:xfrm>
           <a:prstGeom prst="straightConnector1">
@@ -4405,8 +4495,8 @@
         </p:nvSpPr>
         <p:spPr>
           <a:xfrm>
-            <a:off x="7467600" y="2512695"/>
-            <a:ext cx="4064000" cy="306705"/>
+            <a:off x="7127875" y="2512695"/>
+            <a:ext cx="2468880" cy="275590"/>
           </a:xfrm>
           <a:prstGeom prst="rect">
             <a:avLst/>
@@ -4419,14 +4509,14 @@
           </a:bodyPr>
           <a:p>
             <a:r>
-              <a:rPr lang="en-US" altLang="zh-CN" sz="1400"/>
+              <a:rPr lang="en-US" altLang="zh-CN" sz="1200"/>
               <a:t>6. </a:t>
             </a:r>
             <a:r>
-              <a:rPr lang="zh-CN" altLang="en-US" sz="1400"/>
+              <a:rPr lang="zh-CN" altLang="en-US" sz="1200"/>
               <a:t>获取请求对象并处理得到结果</a:t>
             </a:r>
-            <a:endParaRPr lang="zh-CN" altLang="en-US" sz="1400"/>
+            <a:endParaRPr lang="zh-CN" altLang="en-US" sz="1200"/>
           </a:p>
         </p:txBody>
       </p:sp>
@@ -4438,7 +4528,7 @@
         </p:nvCxnSpPr>
         <p:spPr>
           <a:xfrm flipH="1">
-            <a:off x="6400165" y="2166620"/>
+            <a:off x="6060440" y="2166620"/>
             <a:ext cx="727710" cy="872490"/>
           </a:xfrm>
           <a:prstGeom prst="straightConnector1">
@@ -4471,8 +4561,8 @@
         </p:nvSpPr>
         <p:spPr>
           <a:xfrm>
-            <a:off x="6486525" y="2310765"/>
-            <a:ext cx="1228725" cy="306705"/>
+            <a:off x="6146800" y="2310765"/>
+            <a:ext cx="1228725" cy="275590"/>
           </a:xfrm>
           <a:prstGeom prst="rect">
             <a:avLst/>
@@ -4485,14 +4575,14 @@
           </a:bodyPr>
           <a:p>
             <a:r>
-              <a:rPr lang="en-US" altLang="zh-CN" sz="1400"/>
+              <a:rPr lang="en-US" altLang="zh-CN" sz="1200"/>
               <a:t>7.</a:t>
             </a:r>
             <a:r>
-              <a:rPr lang="zh-CN" altLang="en-US" sz="1400"/>
+              <a:rPr lang="zh-CN" altLang="en-US" sz="1200"/>
               <a:t>标记写就绪</a:t>
             </a:r>
-            <a:endParaRPr lang="zh-CN" altLang="en-US" sz="1400"/>
+            <a:endParaRPr lang="zh-CN" altLang="en-US" sz="1200"/>
           </a:p>
         </p:txBody>
       </p:sp>
@@ -4504,7 +4594,7 @@
         </p:nvCxnSpPr>
         <p:spPr>
           <a:xfrm flipV="1">
-            <a:off x="3510915" y="2174240"/>
+            <a:off x="3171190" y="2174240"/>
             <a:ext cx="1203960" cy="576580"/>
           </a:xfrm>
           <a:prstGeom prst="straightConnector1">
@@ -4537,7 +4627,7 @@
         </p:nvCxnSpPr>
         <p:spPr>
           <a:xfrm flipV="1">
-            <a:off x="5096510" y="760730"/>
+            <a:off x="4756785" y="760730"/>
             <a:ext cx="872490" cy="1031240"/>
           </a:xfrm>
           <a:prstGeom prst="straightConnector1">
@@ -4570,8 +4660,8 @@
         </p:nvSpPr>
         <p:spPr>
           <a:xfrm>
-            <a:off x="5414010" y="929640"/>
-            <a:ext cx="1890395" cy="521970"/>
+            <a:off x="5074285" y="989330"/>
+            <a:ext cx="1659255" cy="460375"/>
           </a:xfrm>
           <a:prstGeom prst="rect">
             <a:avLst/>
@@ -4584,29 +4674,278 @@
           </a:bodyPr>
           <a:p>
             <a:r>
-              <a:rPr lang="en-US" altLang="zh-CN" sz="1400"/>
+              <a:rPr lang="en-US" altLang="zh-CN" sz="1200"/>
               <a:t>8. </a:t>
             </a:r>
             <a:r>
-              <a:rPr lang="zh-CN" altLang="en-US" sz="1400"/>
+              <a:rPr lang="zh-CN" altLang="en-US" sz="1200"/>
               <a:t>等待socket可写</a:t>
             </a:r>
-            <a:endParaRPr lang="zh-CN" altLang="en-US" sz="1400"/>
-          </a:p>
-          <a:p>
-            <a:r>
-              <a:rPr lang="en-US" altLang="zh-CN" sz="1400"/>
+            <a:endParaRPr lang="zh-CN" altLang="en-US" sz="1200"/>
+          </a:p>
+          <a:p>
+            <a:r>
+              <a:rPr lang="en-US" altLang="zh-CN" sz="1200"/>
               <a:t>9.</a:t>
             </a:r>
             <a:r>
-              <a:rPr lang="zh-CN" altLang="en-US" sz="1400"/>
+              <a:rPr lang="zh-CN" altLang="en-US" sz="1200"/>
               <a:t>写入</a:t>
             </a:r>
             <a:r>
-              <a:rPr lang="zh-CN" altLang="en-US" sz="1400"/>
+              <a:rPr lang="zh-CN" altLang="en-US" sz="1200"/>
               <a:t>处理结果</a:t>
             </a:r>
-            <a:endParaRPr lang="zh-CN" altLang="en-US" sz="1400"/>
+            <a:endParaRPr lang="zh-CN" altLang="en-US" sz="1200"/>
+          </a:p>
+        </p:txBody>
+      </p:sp>
+      <p:sp>
+        <p:nvSpPr>
+          <p:cNvPr id="3" name="矩形 2"/>
+          <p:cNvSpPr/>
+          <p:nvPr/>
+        </p:nvSpPr>
+        <p:spPr>
+          <a:xfrm>
+            <a:off x="9946640" y="3004820"/>
+            <a:ext cx="911860" cy="2026285"/>
+          </a:xfrm>
+          <a:prstGeom prst="rect">
+            <a:avLst/>
+          </a:prstGeom>
+        </p:spPr>
+        <p:style>
+          <a:lnRef idx="2">
+            <a:schemeClr val="accent1">
+              <a:lumMod val="75000"/>
+            </a:schemeClr>
+          </a:lnRef>
+          <a:fillRef idx="1">
+            <a:schemeClr val="accent1"/>
+          </a:fillRef>
+          <a:effectRef idx="0">
+            <a:srgbClr val="FFFFFF"/>
+          </a:effectRef>
+          <a:fontRef idx="minor">
+            <a:schemeClr val="lt1"/>
+          </a:fontRef>
+        </p:style>
+        <p:txBody>
+          <a:bodyPr rtlCol="0" anchor="ctr"/>
+          <a:p>
+            <a:pPr algn="ctr"/>
+            <a:endParaRPr lang="zh-CN" altLang="en-US"/>
+          </a:p>
+        </p:txBody>
+      </p:sp>
+      <p:sp>
+        <p:nvSpPr>
+          <p:cNvPr id="6" name="文本框 5"/>
+          <p:cNvSpPr txBox="1"/>
+          <p:nvPr/>
+        </p:nvSpPr>
+        <p:spPr>
+          <a:xfrm>
+            <a:off x="9865360" y="1663700"/>
+            <a:ext cx="1146175" cy="368300"/>
+          </a:xfrm>
+          <a:prstGeom prst="rect">
+            <a:avLst/>
+          </a:prstGeom>
+          <a:noFill/>
+        </p:spPr>
+        <p:txBody>
+          <a:bodyPr wrap="square" rtlCol="0">
+            <a:spAutoFit/>
+          </a:bodyPr>
+          <a:p>
+            <a:r>
+              <a:rPr lang="zh-CN" altLang="en-US"/>
+              <a:t>线程</a:t>
+            </a:r>
+            <a:r>
+              <a:rPr lang="zh-CN" altLang="en-US"/>
+              <a:t>数组</a:t>
+            </a:r>
+            <a:endParaRPr lang="zh-CN" altLang="en-US"/>
+          </a:p>
+        </p:txBody>
+      </p:sp>
+      <p:sp>
+        <p:nvSpPr>
+          <p:cNvPr id="14" name="文本框 13"/>
+          <p:cNvSpPr txBox="1"/>
+          <p:nvPr/>
+        </p:nvSpPr>
+        <p:spPr>
+          <a:xfrm>
+            <a:off x="8515350" y="6002655"/>
+            <a:ext cx="1368425" cy="398780"/>
+          </a:xfrm>
+          <a:prstGeom prst="rect">
+            <a:avLst/>
+          </a:prstGeom>
+          <a:noFill/>
+        </p:spPr>
+        <p:txBody>
+          <a:bodyPr wrap="square" rtlCol="0">
+            <a:spAutoFit/>
+          </a:bodyPr>
+          <a:p>
+            <a:r>
+              <a:rPr lang="zh-CN" altLang="en-US" sz="2000"/>
+              <a:t>线程池类</a:t>
+            </a:r>
+            <a:endParaRPr lang="zh-CN" altLang="en-US" sz="2000"/>
+          </a:p>
+        </p:txBody>
+      </p:sp>
+      <p:sp>
+        <p:nvSpPr>
+          <p:cNvPr id="15" name="文本框 14"/>
+          <p:cNvSpPr txBox="1"/>
+          <p:nvPr/>
+        </p:nvSpPr>
+        <p:spPr>
+          <a:xfrm>
+            <a:off x="9622155" y="5067935"/>
+            <a:ext cx="1716405" cy="368300"/>
+          </a:xfrm>
+          <a:prstGeom prst="rect">
+            <a:avLst/>
+          </a:prstGeom>
+          <a:noFill/>
+        </p:spPr>
+        <p:txBody>
+          <a:bodyPr wrap="square" rtlCol="0">
+            <a:spAutoFit/>
+          </a:bodyPr>
+          <a:p>
+            <a:r>
+              <a:rPr lang="zh-CN" altLang="en-US"/>
+              <a:t>数据库</a:t>
+            </a:r>
+            <a:r>
+              <a:rPr lang="zh-CN" altLang="en-US"/>
+              <a:t>连接池</a:t>
+            </a:r>
+            <a:endParaRPr lang="zh-CN" altLang="en-US"/>
+          </a:p>
+        </p:txBody>
+      </p:sp>
+      <p:sp>
+        <p:nvSpPr>
+          <p:cNvPr id="20" name="文本框 19"/>
+          <p:cNvSpPr txBox="1"/>
+          <p:nvPr/>
+        </p:nvSpPr>
+        <p:spPr>
+          <a:xfrm>
+            <a:off x="4989195" y="6293485"/>
+            <a:ext cx="1602105" cy="275590"/>
+          </a:xfrm>
+          <a:prstGeom prst="rect">
+            <a:avLst/>
+          </a:prstGeom>
+          <a:noFill/>
+        </p:spPr>
+        <p:txBody>
+          <a:bodyPr wrap="square" rtlCol="0">
+            <a:spAutoFit/>
+          </a:bodyPr>
+          <a:p>
+            <a:r>
+              <a:rPr lang="en-US" altLang="zh-CN" sz="1200"/>
+              <a:t>http_conn</a:t>
+            </a:r>
+            <a:r>
+              <a:rPr lang="zh-CN" altLang="en-US" sz="1200"/>
+              <a:t>类的对象</a:t>
+            </a:r>
+            <a:endParaRPr lang="zh-CN" altLang="en-US" sz="1200"/>
+          </a:p>
+        </p:txBody>
+      </p:sp>
+      <p:sp>
+        <p:nvSpPr>
+          <p:cNvPr id="24" name="文本框 23"/>
+          <p:cNvSpPr txBox="1"/>
+          <p:nvPr/>
+        </p:nvSpPr>
+        <p:spPr>
+          <a:xfrm>
+            <a:off x="833755" y="5603240"/>
+            <a:ext cx="2881630" cy="645160"/>
+          </a:xfrm>
+          <a:prstGeom prst="rect">
+            <a:avLst/>
+          </a:prstGeom>
+          <a:noFill/>
+        </p:spPr>
+        <p:txBody>
+          <a:bodyPr wrap="square" rtlCol="0">
+            <a:spAutoFit/>
+          </a:bodyPr>
+          <a:p>
+            <a:r>
+              <a:rPr lang="zh-CN" altLang="en-US" sz="3600" b="1">
+                <a:solidFill>
+                  <a:schemeClr val="tx1">
+                    <a:lumMod val="75000"/>
+                    <a:lumOff val="25000"/>
+                  </a:schemeClr>
+                </a:solidFill>
+              </a:rPr>
+              <a:t>服务器</a:t>
+            </a:r>
+            <a:endParaRPr lang="zh-CN" altLang="en-US" sz="3600" b="1">
+              <a:solidFill>
+                <a:schemeClr val="tx1">
+                  <a:lumMod val="75000"/>
+                  <a:lumOff val="25000"/>
+                </a:schemeClr>
+              </a:solidFill>
+            </a:endParaRPr>
+          </a:p>
+        </p:txBody>
+      </p:sp>
+      <p:sp>
+        <p:nvSpPr>
+          <p:cNvPr id="25" name="圆角矩形 24"/>
+          <p:cNvSpPr/>
+          <p:nvPr/>
+        </p:nvSpPr>
+        <p:spPr>
+          <a:xfrm>
+            <a:off x="9451975" y="518795"/>
+            <a:ext cx="914400" cy="914400"/>
+          </a:xfrm>
+          <a:prstGeom prst="roundRect">
+            <a:avLst/>
+          </a:prstGeom>
+        </p:spPr>
+        <p:style>
+          <a:lnRef idx="2">
+            <a:schemeClr val="accent1">
+              <a:lumMod val="75000"/>
+            </a:schemeClr>
+          </a:lnRef>
+          <a:fillRef idx="1">
+            <a:schemeClr val="accent1"/>
+          </a:fillRef>
+          <a:effectRef idx="0">
+            <a:srgbClr val="FFFFFF"/>
+          </a:effectRef>
+          <a:fontRef idx="minor">
+            <a:schemeClr val="lt1"/>
+          </a:fontRef>
+        </p:style>
+        <p:txBody>
+          <a:bodyPr rtlCol="0" anchor="ctr"/>
+          <a:p>
+            <a:pPr algn="ctr"/>
+            <a:endParaRPr lang="zh-CN" altLang="en-US"/>
           </a:p>
         </p:txBody>
       </p:sp>
